--- a/05_Functions_and_Grouping.pptx
+++ b/05_Functions_and_Grouping.pptx
@@ -3151,7 +3151,7 @@
           <a:p>
             <a:fld id="{CFBA6064-FDE0-48E8-9405-22609F48ED19}" type="datetimeFigureOut">
               <a:rPr lang="en-US" smtClean="0"/>
-              <a:t>10/25/2020</a:t>
+              <a:t>11/23/2021</a:t>
             </a:fld>
             <a:endParaRPr lang="en-US"/>
           </a:p>
@@ -6021,66 +6021,6 @@
           <a:chExt cx="0" cy="0"/>
         </a:xfrm>
       </p:grpSpPr>
-      <p:pic>
-        <p:nvPicPr>
-          <p:cNvPr id="2" name="Picture 1">
-            <a:extLst>
-              <a:ext uri="{FF2B5EF4-FFF2-40B4-BE49-F238E27FC236}">
-                <a16:creationId xmlns:a16="http://schemas.microsoft.com/office/drawing/2014/main" id="{B0860CC2-2A61-4CE7-9EEA-1D0B1951D9A2}"/>
-              </a:ext>
-            </a:extLst>
-          </p:cNvPr>
-          <p:cNvPicPr>
-            <a:picLocks noChangeAspect="1"/>
-          </p:cNvPicPr>
-          <p:nvPr/>
-        </p:nvPicPr>
-        <p:blipFill>
-          <a:blip r:embed="rId2"/>
-          <a:stretch>
-            <a:fillRect/>
-          </a:stretch>
-        </p:blipFill>
-        <p:spPr>
-          <a:xfrm>
-            <a:off x="1016259" y="1338362"/>
-            <a:ext cx="9038950" cy="2751415"/>
-          </a:xfrm>
-          <a:prstGeom prst="rect">
-            <a:avLst/>
-          </a:prstGeom>
-        </p:spPr>
-      </p:pic>
-      <p:pic>
-        <p:nvPicPr>
-          <p:cNvPr id="3" name="Picture 2">
-            <a:extLst>
-              <a:ext uri="{FF2B5EF4-FFF2-40B4-BE49-F238E27FC236}">
-                <a16:creationId xmlns:a16="http://schemas.microsoft.com/office/drawing/2014/main" id="{ACD696A9-2B12-4541-8B14-7971BA1A3A31}"/>
-              </a:ext>
-            </a:extLst>
-          </p:cNvPr>
-          <p:cNvPicPr>
-            <a:picLocks noChangeAspect="1"/>
-          </p:cNvPicPr>
-          <p:nvPr/>
-        </p:nvPicPr>
-        <p:blipFill>
-          <a:blip r:embed="rId3"/>
-          <a:stretch>
-            <a:fillRect/>
-          </a:stretch>
-        </p:blipFill>
-        <p:spPr>
-          <a:xfrm>
-            <a:off x="2360897" y="4546535"/>
-            <a:ext cx="7277563" cy="1120531"/>
-          </a:xfrm>
-          <a:prstGeom prst="rect">
-            <a:avLst/>
-          </a:prstGeom>
-        </p:spPr>
-      </p:pic>
       <p:sp>
         <p:nvSpPr>
           <p:cNvPr id="4" name="Title 1">
@@ -6154,6 +6094,576 @@
           </a:p>
         </p:txBody>
       </p:sp>
+      <p:sp>
+        <p:nvSpPr>
+          <p:cNvPr id="6" name="TextBox 5">
+            <a:extLst>
+              <a:ext uri="{FF2B5EF4-FFF2-40B4-BE49-F238E27FC236}">
+                <a16:creationId xmlns:a16="http://schemas.microsoft.com/office/drawing/2014/main" id="{A65B4E48-CF28-4FB7-A4F2-7B8CDDEE38B1}"/>
+              </a:ext>
+            </a:extLst>
+          </p:cNvPr>
+          <p:cNvSpPr txBox="1"/>
+          <p:nvPr/>
+        </p:nvSpPr>
+        <p:spPr>
+          <a:xfrm>
+            <a:off x="1299111" y="1152587"/>
+            <a:ext cx="9593777" cy="2677656"/>
+          </a:xfrm>
+          <a:prstGeom prst="rect">
+            <a:avLst/>
+          </a:prstGeom>
+          <a:noFill/>
+        </p:spPr>
+        <p:txBody>
+          <a:bodyPr wrap="square">
+            <a:spAutoFit/>
+          </a:bodyPr>
+          <a:lstStyle/>
+          <a:p>
+            <a:r>
+              <a:rPr lang="en-US" sz="2800" dirty="0">
+                <a:solidFill>
+                  <a:srgbClr val="0000FF"/>
+                </a:solidFill>
+                <a:latin typeface="Consolas" panose="020B0609020204030204" pitchFamily="49" charset="0"/>
+              </a:rPr>
+              <a:t>SELECT</a:t>
+            </a:r>
+            <a:r>
+              <a:rPr lang="en-US" sz="2800" dirty="0">
+                <a:solidFill>
+                  <a:srgbClr val="000000"/>
+                </a:solidFill>
+                <a:latin typeface="Consolas" panose="020B0609020204030204" pitchFamily="49" charset="0"/>
+              </a:rPr>
+              <a:t> </a:t>
+            </a:r>
+            <a:r>
+              <a:rPr lang="en-US" sz="2800" dirty="0" err="1">
+                <a:solidFill>
+                  <a:srgbClr val="000000"/>
+                </a:solidFill>
+                <a:latin typeface="Consolas" panose="020B0609020204030204" pitchFamily="49" charset="0"/>
+              </a:rPr>
+              <a:t>ProductID</a:t>
+            </a:r>
+            <a:r>
+              <a:rPr lang="en-US" sz="2800" dirty="0">
+                <a:solidFill>
+                  <a:srgbClr val="808080"/>
+                </a:solidFill>
+                <a:latin typeface="Consolas" panose="020B0609020204030204" pitchFamily="49" charset="0"/>
+              </a:rPr>
+              <a:t>,</a:t>
+            </a:r>
+            <a:r>
+              <a:rPr lang="en-US" sz="2800" dirty="0">
+                <a:solidFill>
+                  <a:srgbClr val="000000"/>
+                </a:solidFill>
+                <a:latin typeface="Consolas" panose="020B0609020204030204" pitchFamily="49" charset="0"/>
+              </a:rPr>
+              <a:t> </a:t>
+            </a:r>
+            <a:r>
+              <a:rPr lang="en-US" sz="2800" dirty="0">
+                <a:solidFill>
+                  <a:srgbClr val="0000FF"/>
+                </a:solidFill>
+                <a:latin typeface="Consolas" panose="020B0609020204030204" pitchFamily="49" charset="0"/>
+              </a:rPr>
+              <a:t>Name</a:t>
+            </a:r>
+            <a:r>
+              <a:rPr lang="en-US" sz="2800" dirty="0">
+                <a:solidFill>
+                  <a:srgbClr val="808080"/>
+                </a:solidFill>
+                <a:latin typeface="Consolas" panose="020B0609020204030204" pitchFamily="49" charset="0"/>
+              </a:rPr>
+              <a:t>,</a:t>
+            </a:r>
+            <a:endParaRPr lang="en-US" sz="2800" dirty="0">
+              <a:solidFill>
+                <a:srgbClr val="000000"/>
+              </a:solidFill>
+              <a:latin typeface="Consolas" panose="020B0609020204030204" pitchFamily="49" charset="0"/>
+            </a:endParaRPr>
+          </a:p>
+          <a:p>
+            <a:r>
+              <a:rPr lang="en-US" sz="2800" dirty="0">
+                <a:solidFill>
+                  <a:srgbClr val="808080"/>
+                </a:solidFill>
+                <a:latin typeface="Consolas" panose="020B0609020204030204" pitchFamily="49" charset="0"/>
+              </a:rPr>
+              <a:t>	LEFT(</a:t>
+            </a:r>
+            <a:r>
+              <a:rPr lang="en-US" sz="2800" dirty="0">
+                <a:solidFill>
+                  <a:srgbClr val="0000FF"/>
+                </a:solidFill>
+                <a:latin typeface="Consolas" panose="020B0609020204030204" pitchFamily="49" charset="0"/>
+              </a:rPr>
+              <a:t>Name</a:t>
+            </a:r>
+            <a:r>
+              <a:rPr lang="en-US" sz="2800" dirty="0">
+                <a:solidFill>
+                  <a:srgbClr val="808080"/>
+                </a:solidFill>
+                <a:latin typeface="Consolas" panose="020B0609020204030204" pitchFamily="49" charset="0"/>
+              </a:rPr>
+              <a:t>,</a:t>
+            </a:r>
+            <a:r>
+              <a:rPr lang="en-US" sz="2800" dirty="0">
+                <a:solidFill>
+                  <a:srgbClr val="000000"/>
+                </a:solidFill>
+                <a:latin typeface="Consolas" panose="020B0609020204030204" pitchFamily="49" charset="0"/>
+              </a:rPr>
+              <a:t> 7</a:t>
+            </a:r>
+            <a:r>
+              <a:rPr lang="en-US" sz="2800" dirty="0">
+                <a:solidFill>
+                  <a:srgbClr val="808080"/>
+                </a:solidFill>
+                <a:latin typeface="Consolas" panose="020B0609020204030204" pitchFamily="49" charset="0"/>
+              </a:rPr>
+              <a:t>)</a:t>
+            </a:r>
+            <a:r>
+              <a:rPr lang="en-US" sz="2800" dirty="0">
+                <a:solidFill>
+                  <a:srgbClr val="000000"/>
+                </a:solidFill>
+                <a:latin typeface="Consolas" panose="020B0609020204030204" pitchFamily="49" charset="0"/>
+              </a:rPr>
+              <a:t> </a:t>
+            </a:r>
+            <a:r>
+              <a:rPr lang="en-US" sz="2800" dirty="0">
+                <a:solidFill>
+                  <a:srgbClr val="0000FF"/>
+                </a:solidFill>
+                <a:latin typeface="Consolas" panose="020B0609020204030204" pitchFamily="49" charset="0"/>
+              </a:rPr>
+              <a:t>as</a:t>
+            </a:r>
+            <a:r>
+              <a:rPr lang="en-US" sz="2800" dirty="0">
+                <a:solidFill>
+                  <a:srgbClr val="000000"/>
+                </a:solidFill>
+                <a:latin typeface="Consolas" panose="020B0609020204030204" pitchFamily="49" charset="0"/>
+              </a:rPr>
+              <a:t> </a:t>
+            </a:r>
+            <a:r>
+              <a:rPr lang="en-US" sz="2800" dirty="0" err="1">
+                <a:solidFill>
+                  <a:srgbClr val="000000"/>
+                </a:solidFill>
+                <a:latin typeface="Consolas" panose="020B0609020204030204" pitchFamily="49" charset="0"/>
+              </a:rPr>
+              <a:t>LeftName</a:t>
+            </a:r>
+            <a:r>
+              <a:rPr lang="en-US" sz="2800" dirty="0">
+                <a:solidFill>
+                  <a:srgbClr val="808080"/>
+                </a:solidFill>
+                <a:latin typeface="Consolas" panose="020B0609020204030204" pitchFamily="49" charset="0"/>
+              </a:rPr>
+              <a:t>,</a:t>
+            </a:r>
+            <a:endParaRPr lang="en-US" sz="2800" dirty="0">
+              <a:solidFill>
+                <a:srgbClr val="000000"/>
+              </a:solidFill>
+              <a:latin typeface="Consolas" panose="020B0609020204030204" pitchFamily="49" charset="0"/>
+            </a:endParaRPr>
+          </a:p>
+          <a:p>
+            <a:r>
+              <a:rPr lang="en-US" sz="2800" dirty="0">
+                <a:solidFill>
+                  <a:srgbClr val="FF00FF"/>
+                </a:solidFill>
+                <a:latin typeface="Consolas" panose="020B0609020204030204" pitchFamily="49" charset="0"/>
+              </a:rPr>
+              <a:t>	SUBSTRING</a:t>
+            </a:r>
+            <a:r>
+              <a:rPr lang="en-US" sz="2800" dirty="0">
+                <a:solidFill>
+                  <a:srgbClr val="808080"/>
+                </a:solidFill>
+                <a:latin typeface="Consolas" panose="020B0609020204030204" pitchFamily="49" charset="0"/>
+              </a:rPr>
+              <a:t>(</a:t>
+            </a:r>
+            <a:r>
+              <a:rPr lang="en-US" sz="2800" dirty="0">
+                <a:solidFill>
+                  <a:srgbClr val="0000FF"/>
+                </a:solidFill>
+                <a:latin typeface="Consolas" panose="020B0609020204030204" pitchFamily="49" charset="0"/>
+              </a:rPr>
+              <a:t>Name</a:t>
+            </a:r>
+            <a:r>
+              <a:rPr lang="en-US" sz="2800" dirty="0">
+                <a:solidFill>
+                  <a:srgbClr val="808080"/>
+                </a:solidFill>
+                <a:latin typeface="Consolas" panose="020B0609020204030204" pitchFamily="49" charset="0"/>
+              </a:rPr>
+              <a:t>,</a:t>
+            </a:r>
+            <a:r>
+              <a:rPr lang="en-US" sz="2800" dirty="0">
+                <a:solidFill>
+                  <a:srgbClr val="000000"/>
+                </a:solidFill>
+                <a:latin typeface="Consolas" panose="020B0609020204030204" pitchFamily="49" charset="0"/>
+              </a:rPr>
+              <a:t> 9</a:t>
+            </a:r>
+            <a:r>
+              <a:rPr lang="en-US" sz="2800" dirty="0">
+                <a:solidFill>
+                  <a:srgbClr val="808080"/>
+                </a:solidFill>
+                <a:latin typeface="Consolas" panose="020B0609020204030204" pitchFamily="49" charset="0"/>
+              </a:rPr>
+              <a:t>,</a:t>
+            </a:r>
+            <a:r>
+              <a:rPr lang="en-US" sz="2800" dirty="0">
+                <a:solidFill>
+                  <a:srgbClr val="000000"/>
+                </a:solidFill>
+                <a:latin typeface="Consolas" panose="020B0609020204030204" pitchFamily="49" charset="0"/>
+              </a:rPr>
+              <a:t> 4</a:t>
+            </a:r>
+            <a:r>
+              <a:rPr lang="en-US" sz="2800" dirty="0">
+                <a:solidFill>
+                  <a:srgbClr val="808080"/>
+                </a:solidFill>
+                <a:latin typeface="Consolas" panose="020B0609020204030204" pitchFamily="49" charset="0"/>
+              </a:rPr>
+              <a:t>)</a:t>
+            </a:r>
+            <a:r>
+              <a:rPr lang="en-US" sz="2800" dirty="0">
+                <a:solidFill>
+                  <a:srgbClr val="000000"/>
+                </a:solidFill>
+                <a:latin typeface="Consolas" panose="020B0609020204030204" pitchFamily="49" charset="0"/>
+              </a:rPr>
+              <a:t> </a:t>
+            </a:r>
+            <a:r>
+              <a:rPr lang="en-US" sz="2800" dirty="0">
+                <a:solidFill>
+                  <a:srgbClr val="0000FF"/>
+                </a:solidFill>
+                <a:latin typeface="Consolas" panose="020B0609020204030204" pitchFamily="49" charset="0"/>
+              </a:rPr>
+              <a:t>as</a:t>
+            </a:r>
+            <a:r>
+              <a:rPr lang="en-US" sz="2800" dirty="0">
+                <a:solidFill>
+                  <a:srgbClr val="000000"/>
+                </a:solidFill>
+                <a:latin typeface="Consolas" panose="020B0609020204030204" pitchFamily="49" charset="0"/>
+              </a:rPr>
+              <a:t> </a:t>
+            </a:r>
+            <a:r>
+              <a:rPr lang="en-US" sz="2800" dirty="0" err="1">
+                <a:solidFill>
+                  <a:srgbClr val="000000"/>
+                </a:solidFill>
+                <a:latin typeface="Consolas" panose="020B0609020204030204" pitchFamily="49" charset="0"/>
+              </a:rPr>
+              <a:t>SubName</a:t>
+            </a:r>
+            <a:r>
+              <a:rPr lang="en-US" sz="2800" dirty="0">
+                <a:solidFill>
+                  <a:srgbClr val="808080"/>
+                </a:solidFill>
+                <a:latin typeface="Consolas" panose="020B0609020204030204" pitchFamily="49" charset="0"/>
+              </a:rPr>
+              <a:t>,</a:t>
+            </a:r>
+            <a:endParaRPr lang="en-US" sz="2800" dirty="0">
+              <a:solidFill>
+                <a:srgbClr val="000000"/>
+              </a:solidFill>
+              <a:latin typeface="Consolas" panose="020B0609020204030204" pitchFamily="49" charset="0"/>
+            </a:endParaRPr>
+          </a:p>
+          <a:p>
+            <a:r>
+              <a:rPr lang="en-US" sz="2800" dirty="0">
+                <a:solidFill>
+                  <a:srgbClr val="808080"/>
+                </a:solidFill>
+                <a:latin typeface="Consolas" panose="020B0609020204030204" pitchFamily="49" charset="0"/>
+              </a:rPr>
+              <a:t>	RIGHT(</a:t>
+            </a:r>
+            <a:r>
+              <a:rPr lang="en-US" sz="2800" dirty="0">
+                <a:solidFill>
+                  <a:srgbClr val="0000FF"/>
+                </a:solidFill>
+                <a:latin typeface="Consolas" panose="020B0609020204030204" pitchFamily="49" charset="0"/>
+              </a:rPr>
+              <a:t>Name</a:t>
+            </a:r>
+            <a:r>
+              <a:rPr lang="en-US" sz="2800" dirty="0">
+                <a:solidFill>
+                  <a:srgbClr val="808080"/>
+                </a:solidFill>
+                <a:latin typeface="Consolas" panose="020B0609020204030204" pitchFamily="49" charset="0"/>
+              </a:rPr>
+              <a:t>,</a:t>
+            </a:r>
+            <a:r>
+              <a:rPr lang="en-US" sz="2800" dirty="0">
+                <a:solidFill>
+                  <a:srgbClr val="000000"/>
+                </a:solidFill>
+                <a:latin typeface="Consolas" panose="020B0609020204030204" pitchFamily="49" charset="0"/>
+              </a:rPr>
+              <a:t> 1</a:t>
+            </a:r>
+            <a:r>
+              <a:rPr lang="en-US" sz="2800" dirty="0">
+                <a:solidFill>
+                  <a:srgbClr val="808080"/>
+                </a:solidFill>
+                <a:latin typeface="Consolas" panose="020B0609020204030204" pitchFamily="49" charset="0"/>
+              </a:rPr>
+              <a:t>)</a:t>
+            </a:r>
+            <a:r>
+              <a:rPr lang="en-US" sz="2800" dirty="0">
+                <a:solidFill>
+                  <a:srgbClr val="000000"/>
+                </a:solidFill>
+                <a:latin typeface="Consolas" panose="020B0609020204030204" pitchFamily="49" charset="0"/>
+              </a:rPr>
+              <a:t> </a:t>
+            </a:r>
+            <a:r>
+              <a:rPr lang="en-US" sz="2800" dirty="0">
+                <a:solidFill>
+                  <a:srgbClr val="0000FF"/>
+                </a:solidFill>
+                <a:latin typeface="Consolas" panose="020B0609020204030204" pitchFamily="49" charset="0"/>
+              </a:rPr>
+              <a:t>as</a:t>
+            </a:r>
+            <a:r>
+              <a:rPr lang="en-US" sz="2800" dirty="0">
+                <a:solidFill>
+                  <a:srgbClr val="000000"/>
+                </a:solidFill>
+                <a:latin typeface="Consolas" panose="020B0609020204030204" pitchFamily="49" charset="0"/>
+              </a:rPr>
+              <a:t> </a:t>
+            </a:r>
+            <a:r>
+              <a:rPr lang="en-US" sz="2800" dirty="0" err="1">
+                <a:solidFill>
+                  <a:srgbClr val="000000"/>
+                </a:solidFill>
+                <a:latin typeface="Consolas" panose="020B0609020204030204" pitchFamily="49" charset="0"/>
+              </a:rPr>
+              <a:t>RightName</a:t>
+            </a:r>
+            <a:endParaRPr lang="en-US" sz="2800" dirty="0">
+              <a:solidFill>
+                <a:srgbClr val="000000"/>
+              </a:solidFill>
+              <a:latin typeface="Consolas" panose="020B0609020204030204" pitchFamily="49" charset="0"/>
+            </a:endParaRPr>
+          </a:p>
+          <a:p>
+            <a:r>
+              <a:rPr lang="en-US" sz="2800" dirty="0">
+                <a:solidFill>
+                  <a:srgbClr val="0000FF"/>
+                </a:solidFill>
+                <a:latin typeface="Consolas" panose="020B0609020204030204" pitchFamily="49" charset="0"/>
+              </a:rPr>
+              <a:t>FROM</a:t>
+            </a:r>
+            <a:r>
+              <a:rPr lang="en-US" sz="2800" dirty="0">
+                <a:solidFill>
+                  <a:srgbClr val="000000"/>
+                </a:solidFill>
+                <a:latin typeface="Consolas" panose="020B0609020204030204" pitchFamily="49" charset="0"/>
+              </a:rPr>
+              <a:t> </a:t>
+            </a:r>
+            <a:r>
+              <a:rPr lang="en-US" sz="2800" dirty="0" err="1">
+                <a:solidFill>
+                  <a:srgbClr val="000000"/>
+                </a:solidFill>
+                <a:latin typeface="Consolas" panose="020B0609020204030204" pitchFamily="49" charset="0"/>
+              </a:rPr>
+              <a:t>Production</a:t>
+            </a:r>
+            <a:r>
+              <a:rPr lang="en-US" sz="2800" dirty="0" err="1">
+                <a:solidFill>
+                  <a:srgbClr val="808080"/>
+                </a:solidFill>
+                <a:latin typeface="Consolas" panose="020B0609020204030204" pitchFamily="49" charset="0"/>
+              </a:rPr>
+              <a:t>.</a:t>
+            </a:r>
+            <a:r>
+              <a:rPr lang="en-US" sz="2800" dirty="0" err="1">
+                <a:solidFill>
+                  <a:srgbClr val="000000"/>
+                </a:solidFill>
+                <a:latin typeface="Consolas" panose="020B0609020204030204" pitchFamily="49" charset="0"/>
+              </a:rPr>
+              <a:t>Product</a:t>
+            </a:r>
+            <a:endParaRPr lang="en-US" sz="2800" dirty="0">
+              <a:solidFill>
+                <a:srgbClr val="000000"/>
+              </a:solidFill>
+              <a:latin typeface="Consolas" panose="020B0609020204030204" pitchFamily="49" charset="0"/>
+            </a:endParaRPr>
+          </a:p>
+          <a:p>
+            <a:r>
+              <a:rPr lang="en-US" sz="2800" dirty="0">
+                <a:solidFill>
+                  <a:srgbClr val="0000FF"/>
+                </a:solidFill>
+                <a:latin typeface="Consolas" panose="020B0609020204030204" pitchFamily="49" charset="0"/>
+              </a:rPr>
+              <a:t>WHERE</a:t>
+            </a:r>
+            <a:r>
+              <a:rPr lang="en-US" sz="2800" dirty="0">
+                <a:solidFill>
+                  <a:srgbClr val="000000"/>
+                </a:solidFill>
+                <a:latin typeface="Consolas" panose="020B0609020204030204" pitchFamily="49" charset="0"/>
+              </a:rPr>
+              <a:t> </a:t>
+            </a:r>
+            <a:r>
+              <a:rPr lang="en-US" sz="2800" dirty="0" err="1">
+                <a:solidFill>
+                  <a:srgbClr val="000000"/>
+                </a:solidFill>
+                <a:latin typeface="Consolas" panose="020B0609020204030204" pitchFamily="49" charset="0"/>
+              </a:rPr>
+              <a:t>ProductID</a:t>
+            </a:r>
+            <a:r>
+              <a:rPr lang="en-US" sz="2800" dirty="0">
+                <a:solidFill>
+                  <a:srgbClr val="000000"/>
+                </a:solidFill>
+                <a:latin typeface="Consolas" panose="020B0609020204030204" pitchFamily="49" charset="0"/>
+              </a:rPr>
+              <a:t> </a:t>
+            </a:r>
+            <a:r>
+              <a:rPr lang="en-US" sz="2800" dirty="0">
+                <a:solidFill>
+                  <a:srgbClr val="808080"/>
+                </a:solidFill>
+                <a:latin typeface="Consolas" panose="020B0609020204030204" pitchFamily="49" charset="0"/>
+              </a:rPr>
+              <a:t>BETWEEN</a:t>
+            </a:r>
+            <a:r>
+              <a:rPr lang="en-US" sz="2800" dirty="0">
+                <a:solidFill>
+                  <a:srgbClr val="000000"/>
+                </a:solidFill>
+                <a:latin typeface="Consolas" panose="020B0609020204030204" pitchFamily="49" charset="0"/>
+              </a:rPr>
+              <a:t> 864 </a:t>
+            </a:r>
+            <a:r>
+              <a:rPr lang="en-US" sz="2800" dirty="0">
+                <a:solidFill>
+                  <a:srgbClr val="808080"/>
+                </a:solidFill>
+                <a:latin typeface="Consolas" panose="020B0609020204030204" pitchFamily="49" charset="0"/>
+              </a:rPr>
+              <a:t>AND</a:t>
+            </a:r>
+            <a:r>
+              <a:rPr lang="en-US" sz="2800" dirty="0">
+                <a:solidFill>
+                  <a:srgbClr val="000000"/>
+                </a:solidFill>
+                <a:latin typeface="Consolas" panose="020B0609020204030204" pitchFamily="49" charset="0"/>
+              </a:rPr>
+              <a:t> 866</a:t>
+            </a:r>
+            <a:endParaRPr lang="en-US" sz="2800" dirty="0"/>
+          </a:p>
+        </p:txBody>
+      </p:sp>
+      <p:pic>
+        <p:nvPicPr>
+          <p:cNvPr id="8" name="Picture 7">
+            <a:extLst>
+              <a:ext uri="{FF2B5EF4-FFF2-40B4-BE49-F238E27FC236}">
+                <a16:creationId xmlns:a16="http://schemas.microsoft.com/office/drawing/2014/main" id="{74F6E8E0-34D4-4927-B8FB-A818B38D1A00}"/>
+              </a:ext>
+            </a:extLst>
+          </p:cNvPr>
+          <p:cNvPicPr>
+            <a:picLocks noChangeAspect="1"/>
+          </p:cNvPicPr>
+          <p:nvPr/>
+        </p:nvPicPr>
+        <p:blipFill>
+          <a:blip r:embed="rId2"/>
+          <a:stretch>
+            <a:fillRect/>
+          </a:stretch>
+        </p:blipFill>
+        <p:spPr>
+          <a:xfrm>
+            <a:off x="1694827" y="4210126"/>
+            <a:ext cx="9316718" cy="1593266"/>
+          </a:xfrm>
+          <a:prstGeom prst="rect">
+            <a:avLst/>
+          </a:prstGeom>
+        </p:spPr>
+      </p:pic>
     </p:spTree>
     <p:extLst>
       <p:ext uri="{BB962C8B-B14F-4D97-AF65-F5344CB8AC3E}">
@@ -7958,66 +8468,6 @@
           <a:chExt cx="0" cy="0"/>
         </a:xfrm>
       </p:grpSpPr>
-      <p:pic>
-        <p:nvPicPr>
-          <p:cNvPr id="2" name="Picture 1">
-            <a:extLst>
-              <a:ext uri="{FF2B5EF4-FFF2-40B4-BE49-F238E27FC236}">
-                <a16:creationId xmlns:a16="http://schemas.microsoft.com/office/drawing/2014/main" id="{A1EFF0CF-C965-48B2-AE32-C3CE9F8FB86D}"/>
-              </a:ext>
-            </a:extLst>
-          </p:cNvPr>
-          <p:cNvPicPr>
-            <a:picLocks noChangeAspect="1"/>
-          </p:cNvPicPr>
-          <p:nvPr/>
-        </p:nvPicPr>
-        <p:blipFill>
-          <a:blip r:embed="rId2"/>
-          <a:stretch>
-            <a:fillRect/>
-          </a:stretch>
-        </p:blipFill>
-        <p:spPr>
-          <a:xfrm>
-            <a:off x="485318" y="1024515"/>
-            <a:ext cx="7288045" cy="1817784"/>
-          </a:xfrm>
-          <a:prstGeom prst="rect">
-            <a:avLst/>
-          </a:prstGeom>
-        </p:spPr>
-      </p:pic>
-      <p:pic>
-        <p:nvPicPr>
-          <p:cNvPr id="74" name="Picture 73">
-            <a:extLst>
-              <a:ext uri="{FF2B5EF4-FFF2-40B4-BE49-F238E27FC236}">
-                <a16:creationId xmlns:a16="http://schemas.microsoft.com/office/drawing/2014/main" id="{72C2BB3B-913D-4462-BBC3-4C62D6CBA552}"/>
-              </a:ext>
-            </a:extLst>
-          </p:cNvPr>
-          <p:cNvPicPr>
-            <a:picLocks noChangeAspect="1"/>
-          </p:cNvPicPr>
-          <p:nvPr/>
-        </p:nvPicPr>
-        <p:blipFill>
-          <a:blip r:embed="rId3"/>
-          <a:stretch>
-            <a:fillRect/>
-          </a:stretch>
-        </p:blipFill>
-        <p:spPr>
-          <a:xfrm>
-            <a:off x="536475" y="3639088"/>
-            <a:ext cx="7236888" cy="2539870"/>
-          </a:xfrm>
-          <a:prstGeom prst="rect">
-            <a:avLst/>
-          </a:prstGeom>
-        </p:spPr>
-      </p:pic>
       <p:cxnSp>
         <p:nvCxnSpPr>
           <p:cNvPr id="75" name="Straight Connector 74">
@@ -8257,6 +8707,901 @@
               </a:rPr>
               <a:t>Aggregate Functions and Group By Examples</a:t>
             </a:r>
+          </a:p>
+        </p:txBody>
+      </p:sp>
+      <p:sp>
+        <p:nvSpPr>
+          <p:cNvPr id="9" name="TextBox 8">
+            <a:extLst>
+              <a:ext uri="{FF2B5EF4-FFF2-40B4-BE49-F238E27FC236}">
+                <a16:creationId xmlns:a16="http://schemas.microsoft.com/office/drawing/2014/main" id="{E0CBB729-8420-4E78-997E-777BE0CDA4EE}"/>
+              </a:ext>
+            </a:extLst>
+          </p:cNvPr>
+          <p:cNvSpPr txBox="1"/>
+          <p:nvPr/>
+        </p:nvSpPr>
+        <p:spPr>
+          <a:xfrm>
+            <a:off x="485318" y="3227782"/>
+            <a:ext cx="9536176" cy="3108543"/>
+          </a:xfrm>
+          <a:prstGeom prst="rect">
+            <a:avLst/>
+          </a:prstGeom>
+          <a:noFill/>
+        </p:spPr>
+        <p:txBody>
+          <a:bodyPr wrap="square">
+            <a:spAutoFit/>
+          </a:bodyPr>
+          <a:lstStyle/>
+          <a:p>
+            <a:r>
+              <a:rPr lang="en-US" sz="2800" dirty="0">
+                <a:solidFill>
+                  <a:srgbClr val="0000FF"/>
+                </a:solidFill>
+                <a:latin typeface="Consolas" panose="020B0609020204030204" pitchFamily="49" charset="0"/>
+              </a:rPr>
+              <a:t>SELECT</a:t>
+            </a:r>
+            <a:r>
+              <a:rPr lang="en-US" sz="2800" dirty="0">
+                <a:solidFill>
+                  <a:srgbClr val="000000"/>
+                </a:solidFill>
+                <a:latin typeface="Consolas" panose="020B0609020204030204" pitchFamily="49" charset="0"/>
+              </a:rPr>
+              <a:t> </a:t>
+            </a:r>
+            <a:r>
+              <a:rPr lang="en-US" sz="2800" dirty="0" err="1">
+                <a:solidFill>
+                  <a:srgbClr val="000000"/>
+                </a:solidFill>
+                <a:latin typeface="Consolas" panose="020B0609020204030204" pitchFamily="49" charset="0"/>
+              </a:rPr>
+              <a:t>SalesOrderID</a:t>
+            </a:r>
+            <a:r>
+              <a:rPr lang="en-US" sz="2800" dirty="0">
+                <a:solidFill>
+                  <a:srgbClr val="808080"/>
+                </a:solidFill>
+                <a:latin typeface="Consolas" panose="020B0609020204030204" pitchFamily="49" charset="0"/>
+              </a:rPr>
+              <a:t>,</a:t>
+            </a:r>
+            <a:r>
+              <a:rPr lang="en-US" sz="2800" dirty="0">
+                <a:solidFill>
+                  <a:srgbClr val="000000"/>
+                </a:solidFill>
+                <a:latin typeface="Consolas" panose="020B0609020204030204" pitchFamily="49" charset="0"/>
+              </a:rPr>
+              <a:t> </a:t>
+            </a:r>
+          </a:p>
+          <a:p>
+            <a:r>
+              <a:rPr lang="en-US" sz="2800" dirty="0">
+                <a:solidFill>
+                  <a:srgbClr val="FF00FF"/>
+                </a:solidFill>
+                <a:latin typeface="Consolas" panose="020B0609020204030204" pitchFamily="49" charset="0"/>
+              </a:rPr>
+              <a:t>	SUM</a:t>
+            </a:r>
+            <a:r>
+              <a:rPr lang="en-US" sz="2800" dirty="0">
+                <a:solidFill>
+                  <a:srgbClr val="808080"/>
+                </a:solidFill>
+                <a:latin typeface="Consolas" panose="020B0609020204030204" pitchFamily="49" charset="0"/>
+              </a:rPr>
+              <a:t>(</a:t>
+            </a:r>
+            <a:r>
+              <a:rPr lang="en-US" sz="2800" dirty="0" err="1">
+                <a:solidFill>
+                  <a:srgbClr val="000000"/>
+                </a:solidFill>
+                <a:latin typeface="Consolas" panose="020B0609020204030204" pitchFamily="49" charset="0"/>
+              </a:rPr>
+              <a:t>UnitPrice</a:t>
+            </a:r>
+            <a:r>
+              <a:rPr lang="en-US" sz="2800" dirty="0">
+                <a:solidFill>
+                  <a:srgbClr val="000000"/>
+                </a:solidFill>
+                <a:latin typeface="Consolas" panose="020B0609020204030204" pitchFamily="49" charset="0"/>
+              </a:rPr>
+              <a:t> </a:t>
+            </a:r>
+            <a:r>
+              <a:rPr lang="en-US" sz="2800" dirty="0">
+                <a:solidFill>
+                  <a:srgbClr val="808080"/>
+                </a:solidFill>
+                <a:latin typeface="Consolas" panose="020B0609020204030204" pitchFamily="49" charset="0"/>
+              </a:rPr>
+              <a:t>*</a:t>
+            </a:r>
+            <a:r>
+              <a:rPr lang="en-US" sz="2800" dirty="0">
+                <a:solidFill>
+                  <a:srgbClr val="000000"/>
+                </a:solidFill>
+                <a:latin typeface="Consolas" panose="020B0609020204030204" pitchFamily="49" charset="0"/>
+              </a:rPr>
+              <a:t> </a:t>
+            </a:r>
+            <a:r>
+              <a:rPr lang="en-US" sz="2800" dirty="0" err="1">
+                <a:solidFill>
+                  <a:srgbClr val="000000"/>
+                </a:solidFill>
+                <a:latin typeface="Consolas" panose="020B0609020204030204" pitchFamily="49" charset="0"/>
+              </a:rPr>
+              <a:t>OrderQty</a:t>
+            </a:r>
+            <a:r>
+              <a:rPr lang="en-US" sz="2800" dirty="0">
+                <a:solidFill>
+                  <a:srgbClr val="808080"/>
+                </a:solidFill>
+                <a:latin typeface="Consolas" panose="020B0609020204030204" pitchFamily="49" charset="0"/>
+              </a:rPr>
+              <a:t>)</a:t>
+            </a:r>
+            <a:r>
+              <a:rPr lang="en-US" sz="2800" dirty="0">
+                <a:solidFill>
+                  <a:srgbClr val="000000"/>
+                </a:solidFill>
+                <a:latin typeface="Consolas" panose="020B0609020204030204" pitchFamily="49" charset="0"/>
+              </a:rPr>
+              <a:t> </a:t>
+            </a:r>
+            <a:r>
+              <a:rPr lang="en-US" sz="2800" dirty="0">
+                <a:solidFill>
+                  <a:srgbClr val="0000FF"/>
+                </a:solidFill>
+                <a:latin typeface="Consolas" panose="020B0609020204030204" pitchFamily="49" charset="0"/>
+              </a:rPr>
+              <a:t>as</a:t>
+            </a:r>
+            <a:r>
+              <a:rPr lang="en-US" sz="2800" dirty="0">
+                <a:solidFill>
+                  <a:srgbClr val="000000"/>
+                </a:solidFill>
+                <a:latin typeface="Consolas" panose="020B0609020204030204" pitchFamily="49" charset="0"/>
+              </a:rPr>
+              <a:t> </a:t>
+            </a:r>
+            <a:r>
+              <a:rPr lang="en-US" sz="2800" dirty="0" err="1">
+                <a:solidFill>
+                  <a:srgbClr val="000000"/>
+                </a:solidFill>
+                <a:latin typeface="Consolas" panose="020B0609020204030204" pitchFamily="49" charset="0"/>
+              </a:rPr>
+              <a:t>Order_Total</a:t>
+            </a:r>
+            <a:endParaRPr lang="en-US" sz="2800" dirty="0">
+              <a:solidFill>
+                <a:srgbClr val="000000"/>
+              </a:solidFill>
+              <a:latin typeface="Consolas" panose="020B0609020204030204" pitchFamily="49" charset="0"/>
+            </a:endParaRPr>
+          </a:p>
+          <a:p>
+            <a:r>
+              <a:rPr lang="en-US" sz="2800" dirty="0">
+                <a:solidFill>
+                  <a:srgbClr val="0000FF"/>
+                </a:solidFill>
+                <a:latin typeface="Consolas" panose="020B0609020204030204" pitchFamily="49" charset="0"/>
+              </a:rPr>
+              <a:t>FROM</a:t>
+            </a:r>
+            <a:r>
+              <a:rPr lang="en-US" sz="2800" dirty="0">
+                <a:solidFill>
+                  <a:srgbClr val="000000"/>
+                </a:solidFill>
+                <a:latin typeface="Consolas" panose="020B0609020204030204" pitchFamily="49" charset="0"/>
+              </a:rPr>
+              <a:t> </a:t>
+            </a:r>
+            <a:r>
+              <a:rPr lang="en-US" sz="2800" dirty="0" err="1">
+                <a:solidFill>
+                  <a:srgbClr val="000000"/>
+                </a:solidFill>
+                <a:latin typeface="Consolas" panose="020B0609020204030204" pitchFamily="49" charset="0"/>
+              </a:rPr>
+              <a:t>Sales</a:t>
+            </a:r>
+            <a:r>
+              <a:rPr lang="en-US" sz="2800" dirty="0" err="1">
+                <a:solidFill>
+                  <a:srgbClr val="808080"/>
+                </a:solidFill>
+                <a:latin typeface="Consolas" panose="020B0609020204030204" pitchFamily="49" charset="0"/>
+              </a:rPr>
+              <a:t>.</a:t>
+            </a:r>
+            <a:r>
+              <a:rPr lang="en-US" sz="2800" dirty="0" err="1">
+                <a:solidFill>
+                  <a:srgbClr val="000000"/>
+                </a:solidFill>
+                <a:latin typeface="Consolas" panose="020B0609020204030204" pitchFamily="49" charset="0"/>
+              </a:rPr>
+              <a:t>SalesOrderDetail</a:t>
+            </a:r>
+            <a:endParaRPr lang="en-US" sz="2800" dirty="0">
+              <a:solidFill>
+                <a:srgbClr val="000000"/>
+              </a:solidFill>
+              <a:latin typeface="Consolas" panose="020B0609020204030204" pitchFamily="49" charset="0"/>
+            </a:endParaRPr>
+          </a:p>
+          <a:p>
+            <a:r>
+              <a:rPr lang="en-US" sz="2800" dirty="0">
+                <a:solidFill>
+                  <a:srgbClr val="0000FF"/>
+                </a:solidFill>
+                <a:latin typeface="Consolas" panose="020B0609020204030204" pitchFamily="49" charset="0"/>
+              </a:rPr>
+              <a:t>WHERE</a:t>
+            </a:r>
+            <a:r>
+              <a:rPr lang="en-US" sz="2800" dirty="0">
+                <a:solidFill>
+                  <a:srgbClr val="000000"/>
+                </a:solidFill>
+                <a:latin typeface="Consolas" panose="020B0609020204030204" pitchFamily="49" charset="0"/>
+              </a:rPr>
+              <a:t> </a:t>
+            </a:r>
+            <a:r>
+              <a:rPr lang="en-US" sz="2800" dirty="0" err="1">
+                <a:solidFill>
+                  <a:srgbClr val="000000"/>
+                </a:solidFill>
+                <a:latin typeface="Consolas" panose="020B0609020204030204" pitchFamily="49" charset="0"/>
+              </a:rPr>
+              <a:t>SalesOrderID</a:t>
+            </a:r>
+            <a:r>
+              <a:rPr lang="en-US" sz="2800" dirty="0">
+                <a:solidFill>
+                  <a:srgbClr val="000000"/>
+                </a:solidFill>
+                <a:latin typeface="Consolas" panose="020B0609020204030204" pitchFamily="49" charset="0"/>
+              </a:rPr>
+              <a:t> </a:t>
+            </a:r>
+            <a:r>
+              <a:rPr lang="en-US" sz="2800" dirty="0">
+                <a:solidFill>
+                  <a:srgbClr val="808080"/>
+                </a:solidFill>
+                <a:latin typeface="Consolas" panose="020B0609020204030204" pitchFamily="49" charset="0"/>
+              </a:rPr>
+              <a:t>&lt;</a:t>
+            </a:r>
+            <a:r>
+              <a:rPr lang="en-US" sz="2800" dirty="0">
+                <a:solidFill>
+                  <a:srgbClr val="000000"/>
+                </a:solidFill>
+                <a:latin typeface="Consolas" panose="020B0609020204030204" pitchFamily="49" charset="0"/>
+              </a:rPr>
+              <a:t> 43670</a:t>
+            </a:r>
+          </a:p>
+          <a:p>
+            <a:r>
+              <a:rPr lang="en-US" sz="2800" dirty="0">
+                <a:solidFill>
+                  <a:srgbClr val="0000FF"/>
+                </a:solidFill>
+                <a:latin typeface="Consolas" panose="020B0609020204030204" pitchFamily="49" charset="0"/>
+              </a:rPr>
+              <a:t>GROUP</a:t>
+            </a:r>
+            <a:r>
+              <a:rPr lang="en-US" sz="2800" dirty="0">
+                <a:solidFill>
+                  <a:srgbClr val="000000"/>
+                </a:solidFill>
+                <a:latin typeface="Consolas" panose="020B0609020204030204" pitchFamily="49" charset="0"/>
+              </a:rPr>
+              <a:t> </a:t>
+            </a:r>
+            <a:r>
+              <a:rPr lang="en-US" sz="2800" dirty="0">
+                <a:solidFill>
+                  <a:srgbClr val="0000FF"/>
+                </a:solidFill>
+                <a:latin typeface="Consolas" panose="020B0609020204030204" pitchFamily="49" charset="0"/>
+              </a:rPr>
+              <a:t>BY</a:t>
+            </a:r>
+            <a:r>
+              <a:rPr lang="en-US" sz="2800" dirty="0">
+                <a:solidFill>
+                  <a:srgbClr val="000000"/>
+                </a:solidFill>
+                <a:latin typeface="Consolas" panose="020B0609020204030204" pitchFamily="49" charset="0"/>
+              </a:rPr>
+              <a:t> </a:t>
+            </a:r>
+            <a:r>
+              <a:rPr lang="en-US" sz="2800" dirty="0" err="1">
+                <a:solidFill>
+                  <a:srgbClr val="000000"/>
+                </a:solidFill>
+                <a:latin typeface="Consolas" panose="020B0609020204030204" pitchFamily="49" charset="0"/>
+              </a:rPr>
+              <a:t>SalesOrderID</a:t>
+            </a:r>
+            <a:r>
+              <a:rPr lang="en-US" sz="2800" dirty="0">
+                <a:solidFill>
+                  <a:srgbClr val="000000"/>
+                </a:solidFill>
+                <a:latin typeface="Consolas" panose="020B0609020204030204" pitchFamily="49" charset="0"/>
+              </a:rPr>
+              <a:t> </a:t>
+            </a:r>
+          </a:p>
+          <a:p>
+            <a:r>
+              <a:rPr lang="en-US" sz="2800" dirty="0">
+                <a:solidFill>
+                  <a:srgbClr val="0000FF"/>
+                </a:solidFill>
+                <a:latin typeface="Consolas" panose="020B0609020204030204" pitchFamily="49" charset="0"/>
+              </a:rPr>
+              <a:t>HAVING</a:t>
+            </a:r>
+            <a:r>
+              <a:rPr lang="en-US" sz="2800" dirty="0">
+                <a:solidFill>
+                  <a:srgbClr val="000000"/>
+                </a:solidFill>
+                <a:latin typeface="Consolas" panose="020B0609020204030204" pitchFamily="49" charset="0"/>
+              </a:rPr>
+              <a:t> </a:t>
+            </a:r>
+            <a:r>
+              <a:rPr lang="en-US" sz="2800" dirty="0">
+                <a:solidFill>
+                  <a:srgbClr val="FF00FF"/>
+                </a:solidFill>
+                <a:latin typeface="Consolas" panose="020B0609020204030204" pitchFamily="49" charset="0"/>
+              </a:rPr>
+              <a:t>SUM</a:t>
+            </a:r>
+            <a:r>
+              <a:rPr lang="en-US" sz="2800" dirty="0">
+                <a:solidFill>
+                  <a:srgbClr val="808080"/>
+                </a:solidFill>
+                <a:latin typeface="Consolas" panose="020B0609020204030204" pitchFamily="49" charset="0"/>
+              </a:rPr>
+              <a:t>(</a:t>
+            </a:r>
+            <a:r>
+              <a:rPr lang="en-US" sz="2800" dirty="0" err="1">
+                <a:solidFill>
+                  <a:srgbClr val="000000"/>
+                </a:solidFill>
+                <a:latin typeface="Consolas" panose="020B0609020204030204" pitchFamily="49" charset="0"/>
+              </a:rPr>
+              <a:t>UnitPrice</a:t>
+            </a:r>
+            <a:r>
+              <a:rPr lang="en-US" sz="2800" dirty="0">
+                <a:solidFill>
+                  <a:srgbClr val="000000"/>
+                </a:solidFill>
+                <a:latin typeface="Consolas" panose="020B0609020204030204" pitchFamily="49" charset="0"/>
+              </a:rPr>
+              <a:t> </a:t>
+            </a:r>
+            <a:r>
+              <a:rPr lang="en-US" sz="2800" dirty="0">
+                <a:solidFill>
+                  <a:srgbClr val="808080"/>
+                </a:solidFill>
+                <a:latin typeface="Consolas" panose="020B0609020204030204" pitchFamily="49" charset="0"/>
+              </a:rPr>
+              <a:t>*</a:t>
+            </a:r>
+            <a:r>
+              <a:rPr lang="en-US" sz="2800" dirty="0">
+                <a:solidFill>
+                  <a:srgbClr val="000000"/>
+                </a:solidFill>
+                <a:latin typeface="Consolas" panose="020B0609020204030204" pitchFamily="49" charset="0"/>
+              </a:rPr>
+              <a:t> </a:t>
+            </a:r>
+            <a:r>
+              <a:rPr lang="en-US" sz="2800" dirty="0" err="1">
+                <a:solidFill>
+                  <a:srgbClr val="000000"/>
+                </a:solidFill>
+                <a:latin typeface="Consolas" panose="020B0609020204030204" pitchFamily="49" charset="0"/>
+              </a:rPr>
+              <a:t>OrderQty</a:t>
+            </a:r>
+            <a:r>
+              <a:rPr lang="en-US" sz="2800" dirty="0">
+                <a:solidFill>
+                  <a:srgbClr val="808080"/>
+                </a:solidFill>
+                <a:latin typeface="Consolas" panose="020B0609020204030204" pitchFamily="49" charset="0"/>
+              </a:rPr>
+              <a:t>)</a:t>
+            </a:r>
+            <a:r>
+              <a:rPr lang="en-US" sz="2800" dirty="0">
+                <a:solidFill>
+                  <a:srgbClr val="000000"/>
+                </a:solidFill>
+                <a:latin typeface="Consolas" panose="020B0609020204030204" pitchFamily="49" charset="0"/>
+              </a:rPr>
+              <a:t> </a:t>
+            </a:r>
+            <a:r>
+              <a:rPr lang="en-US" sz="2800" dirty="0">
+                <a:solidFill>
+                  <a:srgbClr val="808080"/>
+                </a:solidFill>
+                <a:latin typeface="Consolas" panose="020B0609020204030204" pitchFamily="49" charset="0"/>
+              </a:rPr>
+              <a:t>&gt;</a:t>
+            </a:r>
+            <a:r>
+              <a:rPr lang="en-US" sz="2800" dirty="0">
+                <a:solidFill>
+                  <a:srgbClr val="000000"/>
+                </a:solidFill>
+                <a:latin typeface="Consolas" panose="020B0609020204030204" pitchFamily="49" charset="0"/>
+              </a:rPr>
+              <a:t> 10000</a:t>
+            </a:r>
+          </a:p>
+          <a:p>
+            <a:r>
+              <a:rPr lang="en-US" sz="2800" dirty="0">
+                <a:solidFill>
+                  <a:srgbClr val="0000FF"/>
+                </a:solidFill>
+                <a:latin typeface="Consolas" panose="020B0609020204030204" pitchFamily="49" charset="0"/>
+              </a:rPr>
+              <a:t>ORDER</a:t>
+            </a:r>
+            <a:r>
+              <a:rPr lang="en-US" sz="2800" dirty="0">
+                <a:solidFill>
+                  <a:srgbClr val="000000"/>
+                </a:solidFill>
+                <a:latin typeface="Consolas" panose="020B0609020204030204" pitchFamily="49" charset="0"/>
+              </a:rPr>
+              <a:t> </a:t>
+            </a:r>
+            <a:r>
+              <a:rPr lang="en-US" sz="2800" dirty="0">
+                <a:solidFill>
+                  <a:srgbClr val="0000FF"/>
+                </a:solidFill>
+                <a:latin typeface="Consolas" panose="020B0609020204030204" pitchFamily="49" charset="0"/>
+              </a:rPr>
+              <a:t>BY</a:t>
+            </a:r>
+            <a:r>
+              <a:rPr lang="en-US" sz="2800" dirty="0">
+                <a:solidFill>
+                  <a:srgbClr val="000000"/>
+                </a:solidFill>
+                <a:latin typeface="Consolas" panose="020B0609020204030204" pitchFamily="49" charset="0"/>
+              </a:rPr>
+              <a:t> </a:t>
+            </a:r>
+            <a:r>
+              <a:rPr lang="en-US" sz="2800" dirty="0" err="1">
+                <a:solidFill>
+                  <a:srgbClr val="000000"/>
+                </a:solidFill>
+                <a:latin typeface="Consolas" panose="020B0609020204030204" pitchFamily="49" charset="0"/>
+              </a:rPr>
+              <a:t>Order_Total</a:t>
+            </a:r>
+            <a:endParaRPr lang="en-US" sz="2800" dirty="0"/>
+          </a:p>
+        </p:txBody>
+      </p:sp>
+      <p:sp>
+        <p:nvSpPr>
+          <p:cNvPr id="11" name="TextBox 10">
+            <a:extLst>
+              <a:ext uri="{FF2B5EF4-FFF2-40B4-BE49-F238E27FC236}">
+                <a16:creationId xmlns:a16="http://schemas.microsoft.com/office/drawing/2014/main" id="{629A4D60-CFC6-4051-A351-E30CEB3D3580}"/>
+              </a:ext>
+            </a:extLst>
+          </p:cNvPr>
+          <p:cNvSpPr txBox="1"/>
+          <p:nvPr/>
+        </p:nvSpPr>
+        <p:spPr>
+          <a:xfrm>
+            <a:off x="536474" y="1063324"/>
+            <a:ext cx="8979408" cy="1815882"/>
+          </a:xfrm>
+          <a:prstGeom prst="rect">
+            <a:avLst/>
+          </a:prstGeom>
+          <a:noFill/>
+        </p:spPr>
+        <p:txBody>
+          <a:bodyPr wrap="square">
+            <a:spAutoFit/>
+          </a:bodyPr>
+          <a:lstStyle/>
+          <a:p>
+            <a:r>
+              <a:rPr lang="en-US" sz="2800" dirty="0">
+                <a:solidFill>
+                  <a:srgbClr val="0000FF"/>
+                </a:solidFill>
+                <a:latin typeface="Consolas" panose="020B0609020204030204" pitchFamily="49" charset="0"/>
+              </a:rPr>
+              <a:t>SELECT</a:t>
+            </a:r>
+            <a:r>
+              <a:rPr lang="en-US" sz="2800" dirty="0">
+                <a:solidFill>
+                  <a:srgbClr val="000000"/>
+                </a:solidFill>
+                <a:latin typeface="Consolas" panose="020B0609020204030204" pitchFamily="49" charset="0"/>
+              </a:rPr>
+              <a:t> </a:t>
+            </a:r>
+            <a:r>
+              <a:rPr lang="en-US" sz="2800" dirty="0">
+                <a:solidFill>
+                  <a:srgbClr val="FF00FF"/>
+                </a:solidFill>
+                <a:latin typeface="Consolas" panose="020B0609020204030204" pitchFamily="49" charset="0"/>
+              </a:rPr>
+              <a:t>COUNT</a:t>
+            </a:r>
+            <a:r>
+              <a:rPr lang="en-US" sz="2800" dirty="0">
+                <a:solidFill>
+                  <a:srgbClr val="808080"/>
+                </a:solidFill>
+                <a:latin typeface="Consolas" panose="020B0609020204030204" pitchFamily="49" charset="0"/>
+              </a:rPr>
+              <a:t>(</a:t>
+            </a:r>
+            <a:r>
+              <a:rPr lang="en-US" sz="2800" dirty="0" err="1">
+                <a:solidFill>
+                  <a:srgbClr val="000000"/>
+                </a:solidFill>
+                <a:latin typeface="Consolas" panose="020B0609020204030204" pitchFamily="49" charset="0"/>
+              </a:rPr>
+              <a:t>SalesOrderID</a:t>
+            </a:r>
+            <a:r>
+              <a:rPr lang="en-US" sz="2800" dirty="0">
+                <a:solidFill>
+                  <a:srgbClr val="808080"/>
+                </a:solidFill>
+                <a:latin typeface="Consolas" panose="020B0609020204030204" pitchFamily="49" charset="0"/>
+              </a:rPr>
+              <a:t>)</a:t>
+            </a:r>
+            <a:r>
+              <a:rPr lang="en-US" sz="2800" dirty="0">
+                <a:solidFill>
+                  <a:srgbClr val="000000"/>
+                </a:solidFill>
+                <a:latin typeface="Consolas" panose="020B0609020204030204" pitchFamily="49" charset="0"/>
+              </a:rPr>
+              <a:t> </a:t>
+            </a:r>
+            <a:r>
+              <a:rPr lang="en-US" sz="2800" dirty="0">
+                <a:solidFill>
+                  <a:srgbClr val="0000FF"/>
+                </a:solidFill>
+                <a:latin typeface="Consolas" panose="020B0609020204030204" pitchFamily="49" charset="0"/>
+              </a:rPr>
+              <a:t>as</a:t>
+            </a:r>
+            <a:r>
+              <a:rPr lang="en-US" sz="2800" dirty="0">
+                <a:solidFill>
+                  <a:srgbClr val="000000"/>
+                </a:solidFill>
+                <a:latin typeface="Consolas" panose="020B0609020204030204" pitchFamily="49" charset="0"/>
+              </a:rPr>
+              <a:t> </a:t>
+            </a:r>
+            <a:r>
+              <a:rPr lang="en-US" sz="2800" dirty="0" err="1">
+                <a:solidFill>
+                  <a:srgbClr val="000000"/>
+                </a:solidFill>
+                <a:latin typeface="Consolas" panose="020B0609020204030204" pitchFamily="49" charset="0"/>
+              </a:rPr>
+              <a:t>Count_Orders</a:t>
+            </a:r>
+            <a:r>
+              <a:rPr lang="en-US" sz="2800" dirty="0">
+                <a:solidFill>
+                  <a:srgbClr val="808080"/>
+                </a:solidFill>
+                <a:latin typeface="Consolas" panose="020B0609020204030204" pitchFamily="49" charset="0"/>
+              </a:rPr>
+              <a:t>,</a:t>
+            </a:r>
+            <a:endParaRPr lang="en-US" sz="2800" dirty="0">
+              <a:solidFill>
+                <a:srgbClr val="000000"/>
+              </a:solidFill>
+              <a:latin typeface="Consolas" panose="020B0609020204030204" pitchFamily="49" charset="0"/>
+            </a:endParaRPr>
+          </a:p>
+          <a:p>
+            <a:r>
+              <a:rPr lang="en-US" sz="2800" dirty="0">
+                <a:solidFill>
+                  <a:srgbClr val="000000"/>
+                </a:solidFill>
+                <a:latin typeface="Consolas" panose="020B0609020204030204" pitchFamily="49" charset="0"/>
+              </a:rPr>
+              <a:t>   	  </a:t>
+            </a:r>
+            <a:r>
+              <a:rPr lang="en-US" sz="2800" dirty="0">
+                <a:solidFill>
+                  <a:srgbClr val="FF00FF"/>
+                </a:solidFill>
+                <a:latin typeface="Consolas" panose="020B0609020204030204" pitchFamily="49" charset="0"/>
+              </a:rPr>
+              <a:t>MAX</a:t>
+            </a:r>
+            <a:r>
+              <a:rPr lang="en-US" sz="2800" dirty="0">
+                <a:solidFill>
+                  <a:srgbClr val="808080"/>
+                </a:solidFill>
+                <a:latin typeface="Consolas" panose="020B0609020204030204" pitchFamily="49" charset="0"/>
+              </a:rPr>
+              <a:t>(</a:t>
+            </a:r>
+            <a:r>
+              <a:rPr lang="en-US" sz="2800" dirty="0" err="1">
+                <a:solidFill>
+                  <a:srgbClr val="000000"/>
+                </a:solidFill>
+                <a:latin typeface="Consolas" panose="020B0609020204030204" pitchFamily="49" charset="0"/>
+              </a:rPr>
+              <a:t>OrderDate</a:t>
+            </a:r>
+            <a:r>
+              <a:rPr lang="en-US" sz="2800" dirty="0">
+                <a:solidFill>
+                  <a:srgbClr val="808080"/>
+                </a:solidFill>
+                <a:latin typeface="Consolas" panose="020B0609020204030204" pitchFamily="49" charset="0"/>
+              </a:rPr>
+              <a:t>)</a:t>
+            </a:r>
+            <a:r>
+              <a:rPr lang="en-US" sz="2800" dirty="0">
+                <a:solidFill>
+                  <a:srgbClr val="000000"/>
+                </a:solidFill>
+                <a:latin typeface="Consolas" panose="020B0609020204030204" pitchFamily="49" charset="0"/>
+              </a:rPr>
+              <a:t> </a:t>
+            </a:r>
+            <a:r>
+              <a:rPr lang="en-US" sz="2800" dirty="0">
+                <a:solidFill>
+                  <a:srgbClr val="0000FF"/>
+                </a:solidFill>
+                <a:latin typeface="Consolas" panose="020B0609020204030204" pitchFamily="49" charset="0"/>
+              </a:rPr>
+              <a:t>as</a:t>
+            </a:r>
+            <a:r>
+              <a:rPr lang="en-US" sz="2800" dirty="0">
+                <a:solidFill>
+                  <a:srgbClr val="000000"/>
+                </a:solidFill>
+                <a:latin typeface="Consolas" panose="020B0609020204030204" pitchFamily="49" charset="0"/>
+              </a:rPr>
+              <a:t> </a:t>
+            </a:r>
+            <a:r>
+              <a:rPr lang="en-US" sz="2800" dirty="0" err="1">
+                <a:solidFill>
+                  <a:srgbClr val="000000"/>
+                </a:solidFill>
+                <a:latin typeface="Consolas" panose="020B0609020204030204" pitchFamily="49" charset="0"/>
+              </a:rPr>
+              <a:t>Max_Order_Date</a:t>
+            </a:r>
+            <a:r>
+              <a:rPr lang="en-US" sz="2800" dirty="0">
+                <a:solidFill>
+                  <a:srgbClr val="808080"/>
+                </a:solidFill>
+                <a:latin typeface="Consolas" panose="020B0609020204030204" pitchFamily="49" charset="0"/>
+              </a:rPr>
+              <a:t>,</a:t>
+            </a:r>
+            <a:endParaRPr lang="en-US" sz="2800" dirty="0">
+              <a:solidFill>
+                <a:srgbClr val="000000"/>
+              </a:solidFill>
+              <a:latin typeface="Consolas" panose="020B0609020204030204" pitchFamily="49" charset="0"/>
+            </a:endParaRPr>
+          </a:p>
+          <a:p>
+            <a:r>
+              <a:rPr lang="en-US" sz="2800" dirty="0">
+                <a:solidFill>
+                  <a:srgbClr val="000000"/>
+                </a:solidFill>
+                <a:latin typeface="Consolas" panose="020B0609020204030204" pitchFamily="49" charset="0"/>
+              </a:rPr>
+              <a:t>   	  </a:t>
+            </a:r>
+            <a:r>
+              <a:rPr lang="en-US" sz="2800" dirty="0">
+                <a:solidFill>
+                  <a:srgbClr val="FF00FF"/>
+                </a:solidFill>
+                <a:latin typeface="Consolas" panose="020B0609020204030204" pitchFamily="49" charset="0"/>
+              </a:rPr>
+              <a:t>AVG</a:t>
+            </a:r>
+            <a:r>
+              <a:rPr lang="en-US" sz="2800" dirty="0">
+                <a:solidFill>
+                  <a:srgbClr val="808080"/>
+                </a:solidFill>
+                <a:latin typeface="Consolas" panose="020B0609020204030204" pitchFamily="49" charset="0"/>
+              </a:rPr>
+              <a:t>(</a:t>
+            </a:r>
+            <a:r>
+              <a:rPr lang="en-US" sz="2800" dirty="0">
+                <a:solidFill>
+                  <a:srgbClr val="000000"/>
+                </a:solidFill>
+                <a:latin typeface="Consolas" panose="020B0609020204030204" pitchFamily="49" charset="0"/>
+              </a:rPr>
+              <a:t>Freight</a:t>
+            </a:r>
+            <a:r>
+              <a:rPr lang="en-US" sz="2800" dirty="0">
+                <a:solidFill>
+                  <a:srgbClr val="808080"/>
+                </a:solidFill>
+                <a:latin typeface="Consolas" panose="020B0609020204030204" pitchFamily="49" charset="0"/>
+              </a:rPr>
+              <a:t>)</a:t>
+            </a:r>
+            <a:r>
+              <a:rPr lang="en-US" sz="2800" dirty="0">
+                <a:solidFill>
+                  <a:srgbClr val="000000"/>
+                </a:solidFill>
+                <a:latin typeface="Consolas" panose="020B0609020204030204" pitchFamily="49" charset="0"/>
+              </a:rPr>
+              <a:t> </a:t>
+            </a:r>
+            <a:r>
+              <a:rPr lang="en-US" sz="2800" dirty="0">
+                <a:solidFill>
+                  <a:srgbClr val="0000FF"/>
+                </a:solidFill>
+                <a:latin typeface="Consolas" panose="020B0609020204030204" pitchFamily="49" charset="0"/>
+              </a:rPr>
+              <a:t>as</a:t>
+            </a:r>
+            <a:r>
+              <a:rPr lang="en-US" sz="2800" dirty="0">
+                <a:solidFill>
+                  <a:srgbClr val="000000"/>
+                </a:solidFill>
+                <a:latin typeface="Consolas" panose="020B0609020204030204" pitchFamily="49" charset="0"/>
+              </a:rPr>
+              <a:t> </a:t>
+            </a:r>
+            <a:r>
+              <a:rPr lang="en-US" sz="2800" dirty="0" err="1">
+                <a:solidFill>
+                  <a:srgbClr val="000000"/>
+                </a:solidFill>
+                <a:latin typeface="Consolas" panose="020B0609020204030204" pitchFamily="49" charset="0"/>
+              </a:rPr>
+              <a:t>Avg_Freight</a:t>
+            </a:r>
+            <a:endParaRPr lang="en-US" sz="2800" dirty="0">
+              <a:solidFill>
+                <a:srgbClr val="000000"/>
+              </a:solidFill>
+              <a:latin typeface="Consolas" panose="020B0609020204030204" pitchFamily="49" charset="0"/>
+            </a:endParaRPr>
+          </a:p>
+          <a:p>
+            <a:r>
+              <a:rPr lang="en-US" sz="2800" dirty="0">
+                <a:solidFill>
+                  <a:srgbClr val="0000FF"/>
+                </a:solidFill>
+                <a:latin typeface="Consolas" panose="020B0609020204030204" pitchFamily="49" charset="0"/>
+              </a:rPr>
+              <a:t>FROM</a:t>
+            </a:r>
+            <a:r>
+              <a:rPr lang="en-US" sz="2800" dirty="0">
+                <a:solidFill>
+                  <a:srgbClr val="000000"/>
+                </a:solidFill>
+                <a:latin typeface="Consolas" panose="020B0609020204030204" pitchFamily="49" charset="0"/>
+              </a:rPr>
+              <a:t> </a:t>
+            </a:r>
+            <a:r>
+              <a:rPr lang="en-US" sz="2800" dirty="0" err="1">
+                <a:solidFill>
+                  <a:srgbClr val="000000"/>
+                </a:solidFill>
+                <a:latin typeface="Consolas" panose="020B0609020204030204" pitchFamily="49" charset="0"/>
+              </a:rPr>
+              <a:t>Sales</a:t>
+            </a:r>
+            <a:r>
+              <a:rPr lang="en-US" sz="2800" dirty="0" err="1">
+                <a:solidFill>
+                  <a:srgbClr val="808080"/>
+                </a:solidFill>
+                <a:latin typeface="Consolas" panose="020B0609020204030204" pitchFamily="49" charset="0"/>
+              </a:rPr>
+              <a:t>.</a:t>
+            </a:r>
+            <a:r>
+              <a:rPr lang="en-US" sz="2800" dirty="0" err="1">
+                <a:solidFill>
+                  <a:srgbClr val="000000"/>
+                </a:solidFill>
+                <a:latin typeface="Consolas" panose="020B0609020204030204" pitchFamily="49" charset="0"/>
+              </a:rPr>
+              <a:t>SalesOrderHeader</a:t>
+            </a:r>
+            <a:endParaRPr lang="en-US" sz="2800" dirty="0"/>
           </a:p>
         </p:txBody>
       </p:sp>
@@ -9081,5 +10426,7 @@
 </file>
 
 <file path=docMetadata/LabelInfo.xml><?xml version="1.0" encoding="utf-8"?>
-<clbl:labelList xmlns:clbl="http://schemas.microsoft.com/office/2020/mipLabelMetadata"/>
+<clbl:labelList xmlns:clbl="http://schemas.microsoft.com/office/2020/mipLabelMetadata">
+  <clbl:label id="{f42aa342-8706-4288-bd11-ebb85995028c}" enabled="1" method="Privileged" siteId="{72f988bf-86f1-41af-91ab-2d7cd011db47}" removed="0"/>
+</clbl:labelList>
 </file>